--- a/Презентація курсова Мінаєва.pptx
+++ b/Презентація курсова Мінаєва.pptx
@@ -201,7 +201,7 @@
           <a:p>
             <a:fld id="{49719DA7-5274-45FD-A8C2-2B1C56B40D56}" type="datetimeFigureOut">
               <a:rPr lang="ru-RU" smtClean="0"/>
-              <a:t>30.05.2022</a:t>
+              <a:t>01.06.2022</a:t>
             </a:fld>
             <a:endParaRPr lang="ru-RU"/>
           </a:p>
@@ -744,7 +744,7 @@
           <a:p>
             <a:fld id="{CF72DA77-AE73-4A89-AC85-99F91B5B7FCE}" type="datetimeFigureOut">
               <a:rPr lang="ru-RU" smtClean="0"/>
-              <a:t>30.05.2022</a:t>
+              <a:t>01.06.2022</a:t>
             </a:fld>
             <a:endParaRPr lang="ru-RU"/>
           </a:p>
@@ -1180,7 +1180,7 @@
           <a:p>
             <a:fld id="{CF72DA77-AE73-4A89-AC85-99F91B5B7FCE}" type="datetimeFigureOut">
               <a:rPr lang="ru-RU" smtClean="0"/>
-              <a:t>30.05.2022</a:t>
+              <a:t>01.06.2022</a:t>
             </a:fld>
             <a:endParaRPr lang="ru-RU"/>
           </a:p>
@@ -1430,7 +1430,7 @@
           <a:p>
             <a:fld id="{CF72DA77-AE73-4A89-AC85-99F91B5B7FCE}" type="datetimeFigureOut">
               <a:rPr lang="ru-RU" smtClean="0"/>
-              <a:t>30.05.2022</a:t>
+              <a:t>01.06.2022</a:t>
             </a:fld>
             <a:endParaRPr lang="ru-RU"/>
           </a:p>
@@ -1738,7 +1738,7 @@
           <a:p>
             <a:fld id="{CF72DA77-AE73-4A89-AC85-99F91B5B7FCE}" type="datetimeFigureOut">
               <a:rPr lang="ru-RU" smtClean="0"/>
-              <a:t>30.05.2022</a:t>
+              <a:t>01.06.2022</a:t>
             </a:fld>
             <a:endParaRPr lang="ru-RU"/>
           </a:p>
@@ -2056,7 +2056,7 @@
           <a:p>
             <a:fld id="{CF72DA77-AE73-4A89-AC85-99F91B5B7FCE}" type="datetimeFigureOut">
               <a:rPr lang="ru-RU" smtClean="0"/>
-              <a:t>30.05.2022</a:t>
+              <a:t>01.06.2022</a:t>
             </a:fld>
             <a:endParaRPr lang="ru-RU"/>
           </a:p>
@@ -2358,7 +2358,7 @@
           <a:p>
             <a:fld id="{CF72DA77-AE73-4A89-AC85-99F91B5B7FCE}" type="datetimeFigureOut">
               <a:rPr lang="ru-RU" smtClean="0"/>
-              <a:t>30.05.2022</a:t>
+              <a:t>01.06.2022</a:t>
             </a:fld>
             <a:endParaRPr lang="ru-RU"/>
           </a:p>
@@ -2725,7 +2725,7 @@
           <a:p>
             <a:fld id="{CF72DA77-AE73-4A89-AC85-99F91B5B7FCE}" type="datetimeFigureOut">
               <a:rPr lang="ru-RU" smtClean="0"/>
-              <a:t>30.05.2022</a:t>
+              <a:t>01.06.2022</a:t>
             </a:fld>
             <a:endParaRPr lang="ru-RU"/>
           </a:p>
@@ -2899,7 +2899,7 @@
           <a:p>
             <a:fld id="{CF72DA77-AE73-4A89-AC85-99F91B5B7FCE}" type="datetimeFigureOut">
               <a:rPr lang="ru-RU" smtClean="0"/>
-              <a:t>30.05.2022</a:t>
+              <a:t>01.06.2022</a:t>
             </a:fld>
             <a:endParaRPr lang="ru-RU"/>
           </a:p>
@@ -3079,7 +3079,7 @@
           <a:p>
             <a:fld id="{CF72DA77-AE73-4A89-AC85-99F91B5B7FCE}" type="datetimeFigureOut">
               <a:rPr lang="ru-RU" smtClean="0"/>
-              <a:t>30.05.2022</a:t>
+              <a:t>01.06.2022</a:t>
             </a:fld>
             <a:endParaRPr lang="ru-RU"/>
           </a:p>
@@ -3249,7 +3249,7 @@
           <a:p>
             <a:fld id="{CF72DA77-AE73-4A89-AC85-99F91B5B7FCE}" type="datetimeFigureOut">
               <a:rPr lang="ru-RU" smtClean="0"/>
-              <a:t>30.05.2022</a:t>
+              <a:t>01.06.2022</a:t>
             </a:fld>
             <a:endParaRPr lang="ru-RU"/>
           </a:p>
@@ -3499,7 +3499,7 @@
           <a:p>
             <a:fld id="{CF72DA77-AE73-4A89-AC85-99F91B5B7FCE}" type="datetimeFigureOut">
               <a:rPr lang="ru-RU" smtClean="0"/>
-              <a:t>30.05.2022</a:t>
+              <a:t>01.06.2022</a:t>
             </a:fld>
             <a:endParaRPr lang="ru-RU"/>
           </a:p>
@@ -3735,7 +3735,7 @@
           <a:p>
             <a:fld id="{CF72DA77-AE73-4A89-AC85-99F91B5B7FCE}" type="datetimeFigureOut">
               <a:rPr lang="ru-RU" smtClean="0"/>
-              <a:t>30.05.2022</a:t>
+              <a:t>01.06.2022</a:t>
             </a:fld>
             <a:endParaRPr lang="ru-RU"/>
           </a:p>
@@ -4117,7 +4117,7 @@
           <a:p>
             <a:fld id="{CF72DA77-AE73-4A89-AC85-99F91B5B7FCE}" type="datetimeFigureOut">
               <a:rPr lang="ru-RU" smtClean="0"/>
-              <a:t>30.05.2022</a:t>
+              <a:t>01.06.2022</a:t>
             </a:fld>
             <a:endParaRPr lang="ru-RU"/>
           </a:p>
@@ -4235,7 +4235,7 @@
           <a:p>
             <a:fld id="{CF72DA77-AE73-4A89-AC85-99F91B5B7FCE}" type="datetimeFigureOut">
               <a:rPr lang="ru-RU" smtClean="0"/>
-              <a:t>30.05.2022</a:t>
+              <a:t>01.06.2022</a:t>
             </a:fld>
             <a:endParaRPr lang="ru-RU"/>
           </a:p>
@@ -4330,7 +4330,7 @@
           <a:p>
             <a:fld id="{CF72DA77-AE73-4A89-AC85-99F91B5B7FCE}" type="datetimeFigureOut">
               <a:rPr lang="ru-RU" smtClean="0"/>
-              <a:t>30.05.2022</a:t>
+              <a:t>01.06.2022</a:t>
             </a:fld>
             <a:endParaRPr lang="ru-RU"/>
           </a:p>
@@ -4585,7 +4585,7 @@
           <a:p>
             <a:fld id="{CF72DA77-AE73-4A89-AC85-99F91B5B7FCE}" type="datetimeFigureOut">
               <a:rPr lang="ru-RU" smtClean="0"/>
-              <a:t>30.05.2022</a:t>
+              <a:t>01.06.2022</a:t>
             </a:fld>
             <a:endParaRPr lang="ru-RU"/>
           </a:p>
@@ -4868,7 +4868,7 @@
           <a:p>
             <a:fld id="{CF72DA77-AE73-4A89-AC85-99F91B5B7FCE}" type="datetimeFigureOut">
               <a:rPr lang="ru-RU" smtClean="0"/>
-              <a:t>30.05.2022</a:t>
+              <a:t>01.06.2022</a:t>
             </a:fld>
             <a:endParaRPr lang="ru-RU"/>
           </a:p>
@@ -5274,7 +5274,7 @@
           <a:p>
             <a:fld id="{CF72DA77-AE73-4A89-AC85-99F91B5B7FCE}" type="datetimeFigureOut">
               <a:rPr lang="ru-RU" smtClean="0"/>
-              <a:t>30.05.2022</a:t>
+              <a:t>01.06.2022</a:t>
             </a:fld>
             <a:endParaRPr lang="ru-RU"/>
           </a:p>
@@ -5997,6 +5997,13 @@
   <p:clrMapOvr>
     <a:masterClrMapping/>
   </p:clrMapOvr>
+  <p:timing>
+    <p:tnLst>
+      <p:par>
+        <p:cTn id="1" dur="indefinite" restart="never" nodeType="tmRoot"/>
+      </p:par>
+    </p:tnLst>
+  </p:timing>
 </p:sld>
 </file>
 
@@ -6189,11 +6196,6 @@
               </a:rPr>
               <a:t>. </a:t>
             </a:r>
-            <a:endParaRPr lang="uk-UA" sz="2200" dirty="0" smtClean="0">
-              <a:solidFill>
-                <a:schemeClr val="bg1"/>
-              </a:solidFill>
-            </a:endParaRPr>
           </a:p>
           <a:p>
             <a:r>
@@ -6269,6 +6271,13 @@
   <p:clrMapOvr>
     <a:masterClrMapping/>
   </p:clrMapOvr>
+  <p:timing>
+    <p:tnLst>
+      <p:par>
+        <p:cTn id="1" dur="indefinite" restart="never" nodeType="tmRoot"/>
+      </p:par>
+    </p:tnLst>
+  </p:timing>
 </p:sld>
 </file>
 
@@ -6460,7 +6469,23 @@
                   <a:schemeClr val="bg1"/>
                 </a:solidFill>
               </a:rPr>
-              <a:t>мова гіпертекстової розмітки, розроблена для стандартизації виведення тексту всередині браузера і описує правила оформлення текстових </a:t>
+              <a:t>мова гіпертекстової розмітки, розроблена для стандартизації виведення тексту всередині браузера і </a:t>
+            </a:r>
+            <a:r>
+              <a:rPr lang="ru-RU" dirty="0" smtClean="0">
+                <a:solidFill>
+                  <a:schemeClr val="bg1"/>
+                </a:solidFill>
+              </a:rPr>
+              <a:t>опису правил </a:t>
+            </a:r>
+            <a:r>
+              <a:rPr lang="ru-RU" dirty="0">
+                <a:solidFill>
+                  <a:schemeClr val="bg1"/>
+                </a:solidFill>
+              </a:rPr>
+              <a:t>оформлення текстових </a:t>
             </a:r>
             <a:r>
               <a:rPr lang="ru-RU" dirty="0" smtClean="0">
@@ -6499,7 +6524,39 @@
                   <a:schemeClr val="bg1"/>
                 </a:solidFill>
               </a:rPr>
-              <a:t>каскадні таблиці стилів, які дозволяють оформляти вміст сторінки відповідно до описаних правил. Стилі тексту, розташування блоків на сторінці, анімація — це описується за допомогою каскадних таблиць стилів.</a:t>
+              <a:t>каскадні таблиці стилів, які дозволяють </a:t>
+            </a:r>
+            <a:r>
+              <a:rPr lang="ru-RU" dirty="0" smtClean="0">
+                <a:solidFill>
+                  <a:schemeClr val="bg1"/>
+                </a:solidFill>
+              </a:rPr>
+              <a:t>оформл</a:t>
+            </a:r>
+            <a:r>
+              <a:rPr lang="uk-UA" dirty="0" smtClean="0">
+                <a:solidFill>
+                  <a:schemeClr val="bg1"/>
+                </a:solidFill>
+              </a:rPr>
+              <a:t>ювати</a:t>
+            </a:r>
+            <a:r>
+              <a:rPr lang="ru-RU" dirty="0" smtClean="0">
+                <a:solidFill>
+                  <a:schemeClr val="bg1"/>
+                </a:solidFill>
+              </a:rPr>
+              <a:t> </a:t>
+            </a:r>
+            <a:r>
+              <a:rPr lang="ru-RU" dirty="0">
+                <a:solidFill>
+                  <a:schemeClr val="bg1"/>
+                </a:solidFill>
+              </a:rPr>
+              <a:t>вміст сторінки відповідно до описаних правил. Стилі тексту, розташування блоків на сторінці, анімація — це описується за допомогою каскадних таблиць стилів.</a:t>
             </a:r>
             <a:endParaRPr lang="ru-RU" b="1" dirty="0" smtClean="0">
               <a:solidFill>
@@ -6823,6 +6880,13 @@
   <p:clrMapOvr>
     <a:masterClrMapping/>
   </p:clrMapOvr>
+  <p:timing>
+    <p:tnLst>
+      <p:par>
+        <p:cTn id="1" dur="indefinite" restart="never" nodeType="tmRoot"/>
+      </p:par>
+    </p:tnLst>
+  </p:timing>
 </p:sld>
 </file>
 
@@ -6873,7 +6937,7 @@
                   </a:outerShdw>
                 </a:effectLst>
               </a:rPr>
-              <a:t>Блок схема проекту</a:t>
+              <a:t>Блок схема </a:t>
             </a:r>
             <a:endParaRPr lang="ru-RU" dirty="0">
               <a:effectLst>
@@ -7042,6 +7106,13 @@
   <p:clrMapOvr>
     <a:masterClrMapping/>
   </p:clrMapOvr>
+  <p:timing>
+    <p:tnLst>
+      <p:par>
+        <p:cTn id="1" dur="indefinite" restart="never" nodeType="tmRoot"/>
+      </p:par>
+    </p:tnLst>
+  </p:timing>
 </p:sld>
 </file>
 
@@ -7134,31 +7205,7 @@
                   <a:schemeClr val="bg1"/>
                 </a:solidFill>
               </a:rPr>
-              <a:t>Отже, у результаті виконання курсової роботи були </a:t>
-            </a:r>
-            <a:r>
-              <a:rPr lang="ru-RU" sz="2100" dirty="0" err="1">
-                <a:solidFill>
-                  <a:schemeClr val="bg1"/>
-                </a:solidFill>
-              </a:rPr>
-              <a:t>виконані</a:t>
-            </a:r>
-            <a:r>
-              <a:rPr lang="ru-RU" sz="2100" dirty="0">
-                <a:solidFill>
-                  <a:schemeClr val="bg1"/>
-                </a:solidFill>
-              </a:rPr>
-              <a:t> </a:t>
-            </a:r>
-            <a:r>
-              <a:rPr lang="ru-RU" sz="2100" dirty="0" err="1" smtClean="0">
-                <a:solidFill>
-                  <a:schemeClr val="bg1"/>
-                </a:solidFill>
-              </a:rPr>
-              <a:t>наступні</a:t>
+              <a:t>Отже, у результаті виконання курсової роботи були виконані </a:t>
             </a:r>
             <a:r>
               <a:rPr lang="ru-RU" sz="2100" dirty="0" smtClean="0">
@@ -7166,7 +7213,7 @@
                   <a:schemeClr val="bg1"/>
                 </a:solidFill>
               </a:rPr>
-              <a:t> </a:t>
+              <a:t>наступні </a:t>
             </a:r>
             <a:r>
               <a:rPr lang="ru-RU" sz="2100" dirty="0">
@@ -7370,6 +7417,13 @@
   <p:clrMapOvr>
     <a:masterClrMapping/>
   </p:clrMapOvr>
+  <p:timing>
+    <p:tnLst>
+      <p:par>
+        <p:cTn id="1" dur="indefinite" restart="never" nodeType="tmRoot"/>
+      </p:par>
+    </p:tnLst>
+  </p:timing>
 </p:sld>
 </file>
 
